--- a/Plazma2016/Презентация Плазма 2016 - 2.pptx
+++ b/Plazma2016/Презентация Плазма 2016 - 2.pptx
@@ -245,7 +245,7 @@
               <a:pPr>
                 <a:defRPr/>
               </a:pPr>
-              <a:t>03.11.2016</a:t>
+              <a:t>04.11.2016</a:t>
             </a:fld>
             <a:endParaRPr lang="ru-RU"/>
           </a:p>
@@ -426,7 +426,7 @@
               <a:pPr>
                 <a:defRPr/>
               </a:pPr>
-              <a:t>03.11.2016</a:t>
+              <a:t>04.11.2016</a:t>
             </a:fld>
             <a:endParaRPr lang="ru-RU"/>
           </a:p>
@@ -4027,11 +4027,6 @@
               </a:rPr>
               <a:t>ДИНАМИКА СЛИЯНИЯ, РАСТЕКАНИЯ ЖИДКИХ ПОЛИМЕРНЫХ ЧАСТИЦ ПРИ ФОРМИРОВАНИИ ПОКРЫТИЙ</a:t>
             </a:r>
-            <a:endParaRPr lang="ru-RU" sz="2400" b="1" dirty="0" smtClean="0">
-              <a:solidFill>
-                <a:srgbClr val="A50021"/>
-              </a:solidFill>
-            </a:endParaRPr>
           </a:p>
         </p:txBody>
       </p:sp>
@@ -4075,16 +4070,11 @@
               <a:rPr lang="ru-RU" sz="1600" dirty="0" smtClean="0"/>
               <a:t>, </a:t>
             </a:r>
-            <a:endParaRPr lang="ru-RU" sz="1600" dirty="0" smtClean="0"/>
           </a:p>
           <a:p>
             <a:r>
               <a:rPr lang="ru-RU" sz="1600" dirty="0" smtClean="0"/>
-              <a:t>И.Р</a:t>
-            </a:r>
-            <a:r>
-              <a:rPr lang="ru-RU" sz="1600" dirty="0" smtClean="0"/>
-              <a:t>. Гимранов</a:t>
+              <a:t>И.Р. Гимранов</a:t>
             </a:r>
             <a:r>
               <a:rPr lang="ru-RU" sz="1600" baseline="30000" dirty="0" smtClean="0"/>
@@ -4092,11 +4082,7 @@
             </a:r>
             <a:r>
               <a:rPr lang="ru-RU" sz="1600" dirty="0" smtClean="0"/>
-              <a:t>, А.Р. </a:t>
-            </a:r>
-            <a:r>
-              <a:rPr lang="ru-RU" sz="1600" dirty="0" smtClean="0"/>
-              <a:t>Сираев</a:t>
+              <a:t>, А.Р. Сираев</a:t>
             </a:r>
             <a:r>
               <a:rPr lang="ru-RU" sz="1600" baseline="30000" dirty="0" smtClean="0"/>
@@ -4177,11 +4163,7 @@
             </a:r>
             <a:r>
               <a:rPr lang="ru-RU" sz="1600" dirty="0" smtClean="0"/>
-              <a:t> </a:t>
-            </a:r>
-            <a:r>
-              <a:rPr lang="ru-RU" sz="1600" dirty="0" smtClean="0"/>
-              <a:t>Казань»</a:t>
+              <a:t> Казань»</a:t>
             </a:r>
           </a:p>
         </p:txBody>
@@ -4314,7 +4296,12 @@
             <p:ph type="title"/>
           </p:nvPr>
         </p:nvSpPr>
-        <p:spPr/>
+        <p:spPr>
+          <a:xfrm>
+            <a:off x="467544" y="0"/>
+            <a:ext cx="8229600" cy="1143000"/>
+          </a:xfrm>
+        </p:spPr>
         <p:txBody>
           <a:bodyPr/>
           <a:lstStyle/>
@@ -4624,6 +4611,126 @@
               <a:t>двух частиц полимерного порошка</a:t>
             </a:r>
             <a:endParaRPr lang="ru-RU" sz="1600" dirty="0"/>
+          </a:p>
+        </p:txBody>
+      </p:sp>
+      <p:pic>
+        <p:nvPicPr>
+          <p:cNvPr id="28682" name="Picture 10" descr="C:\Users\almaz\Desktop\20161104_020529.jpg"/>
+          <p:cNvPicPr>
+            <a:picLocks noChangeAspect="1" noChangeArrowheads="1"/>
+          </p:cNvPicPr>
+          <p:nvPr/>
+        </p:nvPicPr>
+        <p:blipFill>
+          <a:blip r:embed="rId7" cstate="print"/>
+          <a:srcRect/>
+          <a:stretch>
+            <a:fillRect/>
+          </a:stretch>
+        </p:blipFill>
+        <p:spPr bwMode="auto">
+          <a:xfrm>
+            <a:off x="4716015" y="1052736"/>
+            <a:ext cx="1947949" cy="2448272"/>
+          </a:xfrm>
+          <a:prstGeom prst="rect">
+            <a:avLst/>
+          </a:prstGeom>
+          <a:noFill/>
+        </p:spPr>
+      </p:pic>
+      <p:pic>
+        <p:nvPicPr>
+          <p:cNvPr id="28684" name="Picture 12" descr="C:\Users\almaz\Desktop\20161104_020538.jpg"/>
+          <p:cNvPicPr>
+            <a:picLocks noChangeAspect="1" noChangeArrowheads="1"/>
+          </p:cNvPicPr>
+          <p:nvPr/>
+        </p:nvPicPr>
+        <p:blipFill>
+          <a:blip r:embed="rId8" cstate="print"/>
+          <a:srcRect t="5882" b="11765"/>
+          <a:stretch>
+            <a:fillRect/>
+          </a:stretch>
+        </p:blipFill>
+        <p:spPr bwMode="auto">
+          <a:xfrm>
+            <a:off x="1835696" y="980728"/>
+            <a:ext cx="1682716" cy="2376264"/>
+          </a:xfrm>
+          <a:prstGeom prst="rect">
+            <a:avLst/>
+          </a:prstGeom>
+          <a:noFill/>
+        </p:spPr>
+      </p:pic>
+      <p:sp>
+        <p:nvSpPr>
+          <p:cNvPr id="18" name="TextBox 17"/>
+          <p:cNvSpPr txBox="1"/>
+          <p:nvPr/>
+        </p:nvSpPr>
+        <p:spPr>
+          <a:xfrm>
+            <a:off x="3203848" y="908720"/>
+            <a:ext cx="389850" cy="369332"/>
+          </a:xfrm>
+          <a:prstGeom prst="rect">
+            <a:avLst/>
+          </a:prstGeom>
+          <a:solidFill>
+            <a:schemeClr val="bg1"/>
+          </a:solidFill>
+        </p:spPr>
+        <p:txBody>
+          <a:bodyPr wrap="none" rtlCol="0">
+            <a:spAutoFit/>
+          </a:bodyPr>
+          <a:lstStyle/>
+          <a:p>
+            <a:r>
+              <a:rPr lang="ru-RU" b="1" dirty="0" smtClean="0"/>
+              <a:t>а)</a:t>
+            </a:r>
+            <a:endParaRPr lang="ru-RU" b="1" dirty="0"/>
+          </a:p>
+        </p:txBody>
+      </p:sp>
+      <p:sp>
+        <p:nvSpPr>
+          <p:cNvPr id="19" name="TextBox 18"/>
+          <p:cNvSpPr txBox="1"/>
+          <p:nvPr/>
+        </p:nvSpPr>
+        <p:spPr>
+          <a:xfrm>
+            <a:off x="6228184" y="1052736"/>
+            <a:ext cx="402674" cy="369332"/>
+          </a:xfrm>
+          <a:prstGeom prst="rect">
+            <a:avLst/>
+          </a:prstGeom>
+          <a:solidFill>
+            <a:schemeClr val="bg1"/>
+          </a:solidFill>
+        </p:spPr>
+        <p:txBody>
+          <a:bodyPr wrap="none" rtlCol="0">
+            <a:spAutoFit/>
+          </a:bodyPr>
+          <a:lstStyle/>
+          <a:p>
+            <a:r>
+              <a:rPr lang="en-US" b="1" dirty="0" smtClean="0"/>
+              <a:t>b</a:t>
+            </a:r>
+            <a:r>
+              <a:rPr lang="ru-RU" b="1" dirty="0" smtClean="0"/>
+              <a:t>)</a:t>
+            </a:r>
+            <a:endParaRPr lang="ru-RU" b="1" dirty="0"/>
           </a:p>
         </p:txBody>
       </p:sp>
